--- a/C# Part 2/Presentations/Methods.pptx
+++ b/C# Part 2/Presentations/Methods.pptx
@@ -198,7 +198,7 @@
   </p:defaultTextStyle>
   <p:extLst>
     <p:ext uri="{EFAFB233-063F-42B5-8137-9DF3F51BA10A}">
-      <p15:sldGuideLst xmlns:p15="http://schemas.microsoft.com/office/powerpoint/2012/main">
+      <p15:sldGuideLst xmlns:p15="http://schemas.microsoft.com/office/powerpoint/2012/main" xmlns="">
         <p15:guide id="1" orient="horz" pos="2160">
           <p15:clr>
             <a:srgbClr val="A4A3A4"/>
@@ -212,7 +212,7 @@
       </p15:sldGuideLst>
     </p:ext>
     <p:ext uri="{2D200454-40CA-4A62-9FC3-DE9A4176ACB9}">
-      <p15:notesGuideLst xmlns:p15="http://schemas.microsoft.com/office/powerpoint/2012/main">
+      <p15:notesGuideLst xmlns:p15="http://schemas.microsoft.com/office/powerpoint/2012/main" xmlns="">
         <p15:guide id="1" orient="horz" pos="2928">
           <p15:clr>
             <a:srgbClr val="A4A3A4"/>
@@ -344,7 +344,7 @@
             <a:fld id="{3BF7C7B5-275F-4D1F-9AB4-9255447DBC73}" type="datetimeFigureOut">
               <a:rPr lang="en-US"/>
               <a:pPr/>
-              <a:t>18.12.2012</a:t>
+              <a:t>1/16/2013</a:t>
             </a:fld>
             <a:endParaRPr lang="en-US" dirty="0"/>
           </a:p>
@@ -575,7 +575,7 @@
             <a:fld id="{9B46F231-FB2B-4655-A644-E2477325E686}" type="datetimeFigureOut">
               <a:rPr lang="en-US"/>
               <a:pPr/>
-              <a:t>18.12.2012</a:t>
+              <a:t>1/16/2013</a:t>
             </a:fld>
             <a:endParaRPr lang="en-US" dirty="0"/>
           </a:p>
@@ -19353,7 +19353,24 @@
                 <a:latin typeface="Consolas" pitchFamily="49" charset="0"/>
                 <a:cs typeface="Consolas" pitchFamily="49" charset="0"/>
               </a:rPr>
-              <a:t>start = 0</a:t>
+              <a:t>start = </a:t>
+            </a:r>
+            <a:r>
+              <a:rPr lang="en-US" sz="1800" b="1" noProof="1" smtClean="0">
+                <a:solidFill>
+                  <a:srgbClr val="8CF4F2"/>
+                </a:solidFill>
+                <a:effectLst>
+                  <a:outerShdw blurRad="38100" dist="38100" dir="2700000" algn="tl">
+                    <a:srgbClr val="000000">
+                      <a:alpha val="43137"/>
+                    </a:srgbClr>
+                  </a:outerShdw>
+                </a:effectLst>
+                <a:latin typeface="Consolas" pitchFamily="49" charset="0"/>
+                <a:cs typeface="Consolas" pitchFamily="49" charset="0"/>
+              </a:rPr>
+              <a:t>0</a:t>
             </a:r>
             <a:r>
               <a:rPr lang="en-US" sz="1800" b="1" noProof="1">
@@ -19370,7 +19387,41 @@
                 <a:latin typeface="Consolas" pitchFamily="49" charset="0"/>
                 <a:cs typeface="Consolas" pitchFamily="49" charset="0"/>
               </a:rPr>
-              <a:t>; int </a:t>
+              <a:t>,</a:t>
+            </a:r>
+            <a:r>
+              <a:rPr lang="en-US" sz="1800" b="1" noProof="1" smtClean="0">
+                <a:solidFill>
+                  <a:srgbClr val="8CF4F2"/>
+                </a:solidFill>
+                <a:effectLst>
+                  <a:outerShdw blurRad="38100" dist="38100" dir="2700000" algn="tl">
+                    <a:srgbClr val="000000">
+                      <a:alpha val="43137"/>
+                    </a:srgbClr>
+                  </a:outerShdw>
+                </a:effectLst>
+                <a:latin typeface="Consolas" pitchFamily="49" charset="0"/>
+                <a:cs typeface="Consolas" pitchFamily="49" charset="0"/>
+              </a:rPr>
+              <a:t> </a:t>
+            </a:r>
+            <a:r>
+              <a:rPr lang="en-US" sz="1800" b="1" noProof="1">
+                <a:solidFill>
+                  <a:srgbClr val="8CF4F2"/>
+                </a:solidFill>
+                <a:effectLst>
+                  <a:outerShdw blurRad="38100" dist="38100" dir="2700000" algn="tl">
+                    <a:srgbClr val="000000">
+                      <a:alpha val="43137"/>
+                    </a:srgbClr>
+                  </a:outerShdw>
+                </a:effectLst>
+                <a:latin typeface="Consolas" pitchFamily="49" charset="0"/>
+                <a:cs typeface="Consolas" pitchFamily="49" charset="0"/>
+              </a:rPr>
+              <a:t>int </a:t>
             </a:r>
             <a:r>
               <a:rPr lang="en-US" sz="1800" b="1" noProof="1" smtClean="0">
